--- a/src/new_src/新建 Microsoft PowerPoint 演示文稿.pptx
+++ b/src/new_src/新建 Microsoft PowerPoint 演示文稿.pptx
@@ -5,10 +5,11 @@
     <p:sldMasterId id="2147483648" r:id="rId1"/>
   </p:sldMasterIdLst>
   <p:notesMasterIdLst>
-    <p:notesMasterId r:id="rId3"/>
+    <p:notesMasterId r:id="rId4"/>
   </p:notesMasterIdLst>
   <p:sldIdLst>
     <p:sldId id="256" r:id="rId2"/>
+    <p:sldId id="257" r:id="rId3"/>
   </p:sldIdLst>
   <p:sldSz cx="12192000" cy="6858000"/>
   <p:notesSz cx="6858000" cy="9144000"/>
@@ -197,7 +198,7 @@
           <a:p>
             <a:fld id="{7F536734-7854-438D-9549-468F939CB6AC}" type="datetimeFigureOut">
               <a:rPr lang="zh-CN" altLang="en-US" smtClean="0"/>
-              <a:t>2024/12/4</a:t>
+              <a:t>2024/12/15</a:t>
             </a:fld>
             <a:endParaRPr lang="zh-CN" altLang="en-US"/>
           </a:p>
@@ -695,7 +696,7 @@
           <a:p>
             <a:fld id="{1534D592-5097-4E30-8414-08B96CB759A1}" type="datetimeFigureOut">
               <a:rPr lang="zh-CN" altLang="en-US" smtClean="0"/>
-              <a:t>2024/12/4</a:t>
+              <a:t>2024/12/15</a:t>
             </a:fld>
             <a:endParaRPr lang="zh-CN" altLang="en-US"/>
           </a:p>
@@ -893,7 +894,7 @@
           <a:p>
             <a:fld id="{1534D592-5097-4E30-8414-08B96CB759A1}" type="datetimeFigureOut">
               <a:rPr lang="zh-CN" altLang="en-US" smtClean="0"/>
-              <a:t>2024/12/4</a:t>
+              <a:t>2024/12/15</a:t>
             </a:fld>
             <a:endParaRPr lang="zh-CN" altLang="en-US"/>
           </a:p>
@@ -1101,7 +1102,7 @@
           <a:p>
             <a:fld id="{1534D592-5097-4E30-8414-08B96CB759A1}" type="datetimeFigureOut">
               <a:rPr lang="zh-CN" altLang="en-US" smtClean="0"/>
-              <a:t>2024/12/4</a:t>
+              <a:t>2024/12/15</a:t>
             </a:fld>
             <a:endParaRPr lang="zh-CN" altLang="en-US"/>
           </a:p>
@@ -1299,7 +1300,7 @@
           <a:p>
             <a:fld id="{1534D592-5097-4E30-8414-08B96CB759A1}" type="datetimeFigureOut">
               <a:rPr lang="zh-CN" altLang="en-US" smtClean="0"/>
-              <a:t>2024/12/4</a:t>
+              <a:t>2024/12/15</a:t>
             </a:fld>
             <a:endParaRPr lang="zh-CN" altLang="en-US"/>
           </a:p>
@@ -1574,7 +1575,7 @@
           <a:p>
             <a:fld id="{1534D592-5097-4E30-8414-08B96CB759A1}" type="datetimeFigureOut">
               <a:rPr lang="zh-CN" altLang="en-US" smtClean="0"/>
-              <a:t>2024/12/4</a:t>
+              <a:t>2024/12/15</a:t>
             </a:fld>
             <a:endParaRPr lang="zh-CN" altLang="en-US"/>
           </a:p>
@@ -1839,7 +1840,7 @@
           <a:p>
             <a:fld id="{1534D592-5097-4E30-8414-08B96CB759A1}" type="datetimeFigureOut">
               <a:rPr lang="zh-CN" altLang="en-US" smtClean="0"/>
-              <a:t>2024/12/4</a:t>
+              <a:t>2024/12/15</a:t>
             </a:fld>
             <a:endParaRPr lang="zh-CN" altLang="en-US"/>
           </a:p>
@@ -2251,7 +2252,7 @@
           <a:p>
             <a:fld id="{1534D592-5097-4E30-8414-08B96CB759A1}" type="datetimeFigureOut">
               <a:rPr lang="zh-CN" altLang="en-US" smtClean="0"/>
-              <a:t>2024/12/4</a:t>
+              <a:t>2024/12/15</a:t>
             </a:fld>
             <a:endParaRPr lang="zh-CN" altLang="en-US"/>
           </a:p>
@@ -2392,7 +2393,7 @@
           <a:p>
             <a:fld id="{1534D592-5097-4E30-8414-08B96CB759A1}" type="datetimeFigureOut">
               <a:rPr lang="zh-CN" altLang="en-US" smtClean="0"/>
-              <a:t>2024/12/4</a:t>
+              <a:t>2024/12/15</a:t>
             </a:fld>
             <a:endParaRPr lang="zh-CN" altLang="en-US"/>
           </a:p>
@@ -2505,7 +2506,7 @@
           <a:p>
             <a:fld id="{1534D592-5097-4E30-8414-08B96CB759A1}" type="datetimeFigureOut">
               <a:rPr lang="zh-CN" altLang="en-US" smtClean="0"/>
-              <a:t>2024/12/4</a:t>
+              <a:t>2024/12/15</a:t>
             </a:fld>
             <a:endParaRPr lang="zh-CN" altLang="en-US"/>
           </a:p>
@@ -2816,7 +2817,7 @@
           <a:p>
             <a:fld id="{1534D592-5097-4E30-8414-08B96CB759A1}" type="datetimeFigureOut">
               <a:rPr lang="zh-CN" altLang="en-US" smtClean="0"/>
-              <a:t>2024/12/4</a:t>
+              <a:t>2024/12/15</a:t>
             </a:fld>
             <a:endParaRPr lang="zh-CN" altLang="en-US"/>
           </a:p>
@@ -3104,7 +3105,7 @@
           <a:p>
             <a:fld id="{1534D592-5097-4E30-8414-08B96CB759A1}" type="datetimeFigureOut">
               <a:rPr lang="zh-CN" altLang="en-US" smtClean="0"/>
-              <a:t>2024/12/4</a:t>
+              <a:t>2024/12/15</a:t>
             </a:fld>
             <a:endParaRPr lang="zh-CN" altLang="en-US"/>
           </a:p>
@@ -3345,7 +3346,7 @@
           <a:p>
             <a:fld id="{1534D592-5097-4E30-8414-08B96CB759A1}" type="datetimeFigureOut">
               <a:rPr lang="zh-CN" altLang="en-US" smtClean="0"/>
-              <a:t>2024/12/4</a:t>
+              <a:t>2024/12/15</a:t>
             </a:fld>
             <a:endParaRPr lang="zh-CN" altLang="en-US"/>
           </a:p>
@@ -5160,6 +5161,446 @@
     <p:extLst>
       <p:ext uri="{BB962C8B-B14F-4D97-AF65-F5344CB8AC3E}">
         <p14:creationId xmlns:p14="http://schemas.microsoft.com/office/powerpoint/2010/main" val="3215862802"/>
+      </p:ext>
+    </p:extLst>
+  </p:cSld>
+  <p:clrMapOvr>
+    <a:masterClrMapping/>
+  </p:clrMapOvr>
+</p:sld>
+</file>
+
+<file path=ppt/slides/slide2.xml><?xml version="1.0" encoding="utf-8"?>
+<p:sld xmlns:a="http://schemas.openxmlformats.org/drawingml/2006/main" xmlns:r="http://schemas.openxmlformats.org/officeDocument/2006/relationships" xmlns:p="http://schemas.openxmlformats.org/presentationml/2006/main">
+  <p:cSld>
+    <p:spTree>
+      <p:nvGrpSpPr>
+        <p:cNvPr id="1" name=""/>
+        <p:cNvGrpSpPr/>
+        <p:nvPr/>
+      </p:nvGrpSpPr>
+      <p:grpSpPr>
+        <a:xfrm>
+          <a:off x="0" y="0"/>
+          <a:ext cx="0" cy="0"/>
+          <a:chOff x="0" y="0"/>
+          <a:chExt cx="0" cy="0"/>
+        </a:xfrm>
+      </p:grpSpPr>
+      <p:pic>
+        <p:nvPicPr>
+          <p:cNvPr id="7" name="图片 6">
+            <a:extLst>
+              <a:ext uri="{FF2B5EF4-FFF2-40B4-BE49-F238E27FC236}">
+                <a16:creationId xmlns:a16="http://schemas.microsoft.com/office/drawing/2014/main" id="{CF1E7212-EE05-FD19-8660-99FE8FD8C622}"/>
+              </a:ext>
+            </a:extLst>
+          </p:cNvPr>
+          <p:cNvPicPr>
+            <a:picLocks noChangeAspect="1"/>
+          </p:cNvPicPr>
+          <p:nvPr/>
+        </p:nvPicPr>
+        <p:blipFill>
+          <a:blip r:embed="rId2">
+            <a:extLst>
+              <a:ext uri="{28A0092B-C50C-407E-A947-70E740481C1C}">
+                <a14:useLocalDpi xmlns:a14="http://schemas.microsoft.com/office/drawing/2010/main" val="0"/>
+              </a:ext>
+            </a:extLst>
+          </a:blip>
+          <a:stretch>
+            <a:fillRect/>
+          </a:stretch>
+        </p:blipFill>
+        <p:spPr>
+          <a:xfrm>
+            <a:off x="0" y="0"/>
+            <a:ext cx="12192000" cy="6858000"/>
+          </a:xfrm>
+          <a:prstGeom prst="rect">
+            <a:avLst/>
+          </a:prstGeom>
+        </p:spPr>
+      </p:pic>
+      <p:sp>
+        <p:nvSpPr>
+          <p:cNvPr id="10" name="矩形 9">
+            <a:extLst>
+              <a:ext uri="{FF2B5EF4-FFF2-40B4-BE49-F238E27FC236}">
+                <a16:creationId xmlns:a16="http://schemas.microsoft.com/office/drawing/2014/main" id="{1E3D0272-C19E-DEDC-9498-EB7BF59F9594}"/>
+              </a:ext>
+            </a:extLst>
+          </p:cNvPr>
+          <p:cNvSpPr/>
+          <p:nvPr/>
+        </p:nvSpPr>
+        <p:spPr>
+          <a:xfrm>
+            <a:off x="0" y="0"/>
+            <a:ext cx="12191999" cy="6858000"/>
+          </a:xfrm>
+          <a:prstGeom prst="rect">
+            <a:avLst/>
+          </a:prstGeom>
+          <a:blipFill dpi="0" rotWithShape="1">
+            <a:blip r:embed="rId3">
+              <a:alphaModFix amt="90000"/>
+              <a:extLst>
+                <a:ext uri="{28A0092B-C50C-407E-A947-70E740481C1C}">
+                  <a14:useLocalDpi xmlns:a14="http://schemas.microsoft.com/office/drawing/2010/main" val="0"/>
+                </a:ext>
+              </a:extLst>
+            </a:blip>
+            <a:srcRect/>
+            <a:stretch>
+              <a:fillRect/>
+            </a:stretch>
+          </a:blipFill>
+          <a:ln>
+            <a:noFill/>
+          </a:ln>
+        </p:spPr>
+        <p:style>
+          <a:lnRef idx="2">
+            <a:schemeClr val="accent1">
+              <a:shade val="15000"/>
+            </a:schemeClr>
+          </a:lnRef>
+          <a:fillRef idx="1">
+            <a:schemeClr val="accent1"/>
+          </a:fillRef>
+          <a:effectRef idx="0">
+            <a:schemeClr val="accent1"/>
+          </a:effectRef>
+          <a:fontRef idx="minor">
+            <a:schemeClr val="lt1"/>
+          </a:fontRef>
+        </p:style>
+        <p:txBody>
+          <a:bodyPr rtlCol="0" anchor="ctr"/>
+          <a:lstStyle/>
+          <a:p>
+            <a:pPr algn="ctr"/>
+            <a:endParaRPr lang="zh-CN" altLang="en-US"/>
+          </a:p>
+        </p:txBody>
+      </p:sp>
+      <p:sp>
+        <p:nvSpPr>
+          <p:cNvPr id="14" name="矩形 13">
+            <a:extLst>
+              <a:ext uri="{FF2B5EF4-FFF2-40B4-BE49-F238E27FC236}">
+                <a16:creationId xmlns:a16="http://schemas.microsoft.com/office/drawing/2014/main" id="{56466E51-9600-AD5D-C2B0-9D821B73F53A}"/>
+              </a:ext>
+            </a:extLst>
+          </p:cNvPr>
+          <p:cNvSpPr/>
+          <p:nvPr/>
+        </p:nvSpPr>
+        <p:spPr>
+          <a:xfrm>
+            <a:off x="241518" y="149366"/>
+            <a:ext cx="12191998" cy="6858000"/>
+          </a:xfrm>
+          <a:prstGeom prst="rect">
+            <a:avLst/>
+          </a:prstGeom>
+          <a:blipFill dpi="0" rotWithShape="1">
+            <a:blip r:embed="rId4">
+              <a:alphaModFix amt="70000"/>
+              <a:extLst>
+                <a:ext uri="{28A0092B-C50C-407E-A947-70E740481C1C}">
+                  <a14:useLocalDpi xmlns:a14="http://schemas.microsoft.com/office/drawing/2010/main" val="0"/>
+                </a:ext>
+              </a:extLst>
+            </a:blip>
+            <a:srcRect/>
+            <a:stretch>
+              <a:fillRect/>
+            </a:stretch>
+          </a:blipFill>
+          <a:ln>
+            <a:noFill/>
+          </a:ln>
+        </p:spPr>
+        <p:style>
+          <a:lnRef idx="2">
+            <a:schemeClr val="accent1">
+              <a:shade val="15000"/>
+            </a:schemeClr>
+          </a:lnRef>
+          <a:fillRef idx="1">
+            <a:schemeClr val="accent1"/>
+          </a:fillRef>
+          <a:effectRef idx="0">
+            <a:schemeClr val="accent1"/>
+          </a:effectRef>
+          <a:fontRef idx="minor">
+            <a:schemeClr val="lt1"/>
+          </a:fontRef>
+        </p:style>
+        <p:txBody>
+          <a:bodyPr rtlCol="0" anchor="ctr"/>
+          <a:lstStyle/>
+          <a:p>
+            <a:pPr algn="ctr"/>
+            <a:endParaRPr lang="zh-CN" altLang="en-US"/>
+          </a:p>
+        </p:txBody>
+      </p:sp>
+      <p:sp>
+        <p:nvSpPr>
+          <p:cNvPr id="18" name="椭圆 17">
+            <a:extLst>
+              <a:ext uri="{FF2B5EF4-FFF2-40B4-BE49-F238E27FC236}">
+                <a16:creationId xmlns:a16="http://schemas.microsoft.com/office/drawing/2014/main" id="{67EF2AE6-ED3E-7A21-CF9E-F18B2DD74960}"/>
+              </a:ext>
+            </a:extLst>
+          </p:cNvPr>
+          <p:cNvSpPr/>
+          <p:nvPr/>
+        </p:nvSpPr>
+        <p:spPr>
+          <a:xfrm>
+            <a:off x="1190624" y="3120205"/>
+            <a:ext cx="180000" cy="180000"/>
+          </a:xfrm>
+          <a:prstGeom prst="ellipse">
+            <a:avLst/>
+          </a:prstGeom>
+          <a:solidFill>
+            <a:srgbClr val="FF0000"/>
+          </a:solidFill>
+          <a:ln>
+            <a:noFill/>
+          </a:ln>
+        </p:spPr>
+        <p:style>
+          <a:lnRef idx="2">
+            <a:schemeClr val="accent1">
+              <a:shade val="15000"/>
+            </a:schemeClr>
+          </a:lnRef>
+          <a:fillRef idx="1">
+            <a:schemeClr val="accent1"/>
+          </a:fillRef>
+          <a:effectRef idx="0">
+            <a:schemeClr val="accent1"/>
+          </a:effectRef>
+          <a:fontRef idx="minor">
+            <a:schemeClr val="lt1"/>
+          </a:fontRef>
+        </p:style>
+        <p:txBody>
+          <a:bodyPr rtlCol="0" anchor="ctr"/>
+          <a:lstStyle/>
+          <a:p>
+            <a:pPr algn="ctr"/>
+            <a:endParaRPr lang="zh-CN" altLang="en-US"/>
+          </a:p>
+        </p:txBody>
+      </p:sp>
+      <p:sp>
+        <p:nvSpPr>
+          <p:cNvPr id="19" name="椭圆 18">
+            <a:extLst>
+              <a:ext uri="{FF2B5EF4-FFF2-40B4-BE49-F238E27FC236}">
+                <a16:creationId xmlns:a16="http://schemas.microsoft.com/office/drawing/2014/main" id="{4D458018-F91F-B24F-EA1D-9E09AD1230B8}"/>
+              </a:ext>
+            </a:extLst>
+          </p:cNvPr>
+          <p:cNvSpPr/>
+          <p:nvPr/>
+        </p:nvSpPr>
+        <p:spPr>
+          <a:xfrm>
+            <a:off x="3651709" y="4514106"/>
+            <a:ext cx="180000" cy="180000"/>
+          </a:xfrm>
+          <a:prstGeom prst="ellipse">
+            <a:avLst/>
+          </a:prstGeom>
+          <a:solidFill>
+            <a:srgbClr val="FF0000">
+              <a:alpha val="70000"/>
+            </a:srgbClr>
+          </a:solidFill>
+          <a:ln>
+            <a:noFill/>
+          </a:ln>
+        </p:spPr>
+        <p:style>
+          <a:lnRef idx="2">
+            <a:schemeClr val="accent1">
+              <a:shade val="15000"/>
+            </a:schemeClr>
+          </a:lnRef>
+          <a:fillRef idx="1">
+            <a:schemeClr val="accent1"/>
+          </a:fillRef>
+          <a:effectRef idx="0">
+            <a:schemeClr val="accent1"/>
+          </a:effectRef>
+          <a:fontRef idx="minor">
+            <a:schemeClr val="lt1"/>
+          </a:fontRef>
+        </p:style>
+        <p:txBody>
+          <a:bodyPr rtlCol="0" anchor="ctr"/>
+          <a:lstStyle/>
+          <a:p>
+            <a:pPr algn="ctr"/>
+            <a:endParaRPr lang="zh-CN" altLang="en-US"/>
+          </a:p>
+        </p:txBody>
+      </p:sp>
+      <p:sp>
+        <p:nvSpPr>
+          <p:cNvPr id="20" name="椭圆 19">
+            <a:extLst>
+              <a:ext uri="{FF2B5EF4-FFF2-40B4-BE49-F238E27FC236}">
+                <a16:creationId xmlns:a16="http://schemas.microsoft.com/office/drawing/2014/main" id="{80401D6F-8ACA-2A6A-0136-0F9AAF1097EE}"/>
+              </a:ext>
+            </a:extLst>
+          </p:cNvPr>
+          <p:cNvSpPr/>
+          <p:nvPr/>
+        </p:nvSpPr>
+        <p:spPr>
+          <a:xfrm>
+            <a:off x="3520869" y="2530269"/>
+            <a:ext cx="180000" cy="180000"/>
+          </a:xfrm>
+          <a:prstGeom prst="ellipse">
+            <a:avLst/>
+          </a:prstGeom>
+          <a:solidFill>
+            <a:srgbClr val="FF0000">
+              <a:alpha val="90000"/>
+            </a:srgbClr>
+          </a:solidFill>
+          <a:ln>
+            <a:noFill/>
+          </a:ln>
+        </p:spPr>
+        <p:style>
+          <a:lnRef idx="2">
+            <a:schemeClr val="accent1">
+              <a:shade val="15000"/>
+            </a:schemeClr>
+          </a:lnRef>
+          <a:fillRef idx="1">
+            <a:schemeClr val="accent1"/>
+          </a:fillRef>
+          <a:effectRef idx="0">
+            <a:schemeClr val="accent1"/>
+          </a:effectRef>
+          <a:fontRef idx="minor">
+            <a:schemeClr val="lt1"/>
+          </a:fontRef>
+        </p:style>
+        <p:txBody>
+          <a:bodyPr rtlCol="0" anchor="ctr"/>
+          <a:lstStyle/>
+          <a:p>
+            <a:pPr algn="ctr"/>
+            <a:endParaRPr lang="zh-CN" altLang="en-US"/>
+          </a:p>
+        </p:txBody>
+      </p:sp>
+      <p:sp>
+        <p:nvSpPr>
+          <p:cNvPr id="21" name="任意多边形: 形状 20">
+            <a:extLst>
+              <a:ext uri="{FF2B5EF4-FFF2-40B4-BE49-F238E27FC236}">
+                <a16:creationId xmlns:a16="http://schemas.microsoft.com/office/drawing/2014/main" id="{BE61A271-E19A-C9E4-76C2-8767559182D1}"/>
+              </a:ext>
+            </a:extLst>
+          </p:cNvPr>
+          <p:cNvSpPr/>
+          <p:nvPr/>
+        </p:nvSpPr>
+        <p:spPr>
+          <a:xfrm>
+            <a:off x="1347020" y="2556229"/>
+            <a:ext cx="2533850" cy="1957877"/>
+          </a:xfrm>
+          <a:custGeom>
+            <a:avLst/>
+            <a:gdLst>
+              <a:gd name="connsiteX0" fmla="*/ 2418736 w 2544165"/>
+              <a:gd name="connsiteY0" fmla="*/ 2005939 h 2005939"/>
+              <a:gd name="connsiteX1" fmla="*/ 2271252 w 2544165"/>
+              <a:gd name="connsiteY1" fmla="*/ 49319 h 2005939"/>
+              <a:gd name="connsiteX2" fmla="*/ 0 w 2544165"/>
+              <a:gd name="connsiteY2" fmla="*/ 619590 h 2005939"/>
+            </a:gdLst>
+            <a:ahLst/>
+            <a:cxnLst>
+              <a:cxn ang="0">
+                <a:pos x="connsiteX0" y="connsiteY0"/>
+              </a:cxn>
+              <a:cxn ang="0">
+                <a:pos x="connsiteX1" y="connsiteY1"/>
+              </a:cxn>
+              <a:cxn ang="0">
+                <a:pos x="connsiteX2" y="connsiteY2"/>
+              </a:cxn>
+            </a:cxnLst>
+            <a:rect l="l" t="t" r="r" b="b"/>
+            <a:pathLst>
+              <a:path w="2544165" h="2005939">
+                <a:moveTo>
+                  <a:pt x="2418736" y="2005939"/>
+                </a:moveTo>
+                <a:cubicBezTo>
+                  <a:pt x="2546555" y="1143158"/>
+                  <a:pt x="2674375" y="280377"/>
+                  <a:pt x="2271252" y="49319"/>
+                </a:cubicBezTo>
+                <a:cubicBezTo>
+                  <a:pt x="1868129" y="-181739"/>
+                  <a:pt x="444090" y="465551"/>
+                  <a:pt x="0" y="619590"/>
+                </a:cubicBezTo>
+              </a:path>
+            </a:pathLst>
+          </a:custGeom>
+          <a:ln w="38100">
+            <a:solidFill>
+              <a:srgbClr val="FF0000"/>
+            </a:solidFill>
+            <a:prstDash val="sysDash"/>
+          </a:ln>
+        </p:spPr>
+        <p:style>
+          <a:lnRef idx="1">
+            <a:schemeClr val="dk1"/>
+          </a:lnRef>
+          <a:fillRef idx="0">
+            <a:schemeClr val="dk1"/>
+          </a:fillRef>
+          <a:effectRef idx="0">
+            <a:schemeClr val="dk1"/>
+          </a:effectRef>
+          <a:fontRef idx="minor">
+            <a:schemeClr val="tx1"/>
+          </a:fontRef>
+        </p:style>
+        <p:txBody>
+          <a:bodyPr rtlCol="0" anchor="ctr"/>
+          <a:lstStyle/>
+          <a:p>
+            <a:pPr algn="ctr"/>
+            <a:endParaRPr lang="zh-CN" altLang="en-US"/>
+          </a:p>
+        </p:txBody>
+      </p:sp>
+    </p:spTree>
+    <p:extLst>
+      <p:ext uri="{BB962C8B-B14F-4D97-AF65-F5344CB8AC3E}">
+        <p14:creationId xmlns:p14="http://schemas.microsoft.com/office/powerpoint/2010/main" val="2936118168"/>
       </p:ext>
     </p:extLst>
   </p:cSld>
